--- a/ppt 16-9/0973.十架归路.pptx
+++ b/ppt 16-9/0973.十架归路.pptx
@@ -5,7 +5,7 @@
     <p:sldMasterId id="2147483648" r:id="rId1"/>
   </p:sldMasterIdLst>
   <p:sldIdLst>
-    <p:sldId id="369" r:id="rId2"/>
+    <p:sldId id="371" r:id="rId2"/>
   </p:sldIdLst>
   <p:sldSz cx="12192000" cy="6858000"/>
   <p:notesSz cx="6858000" cy="9144000"/>
@@ -129,7 +129,7 @@
           <p:cNvPr id="2" name="标题 1">
             <a:extLst>
               <a:ext uri="{FF2B5EF4-FFF2-40B4-BE49-F238E27FC236}">
-                <a16:creationId xmlns:a16="http://schemas.microsoft.com/office/drawing/2014/main" id="{12BC7322-2055-78C6-02E2-1A6A12C4CECB}"/>
+                <a16:creationId xmlns:a16="http://schemas.microsoft.com/office/drawing/2014/main" id="{8C9D7423-8B59-1542-5663-CEC4F37D7CA4}"/>
               </a:ext>
             </a:extLst>
           </p:cNvPr>
@@ -166,7 +166,7 @@
           <p:cNvPr id="3" name="副标题 2">
             <a:extLst>
               <a:ext uri="{FF2B5EF4-FFF2-40B4-BE49-F238E27FC236}">
-                <a16:creationId xmlns:a16="http://schemas.microsoft.com/office/drawing/2014/main" id="{2E8BD850-AECB-E9E7-41A7-7B27B32456AD}"/>
+                <a16:creationId xmlns:a16="http://schemas.microsoft.com/office/drawing/2014/main" id="{46D186DC-D05F-4258-F555-69BCF5DA5148}"/>
               </a:ext>
             </a:extLst>
           </p:cNvPr>
@@ -236,7 +236,7 @@
           <p:cNvPr id="4" name="日期占位符 3">
             <a:extLst>
               <a:ext uri="{FF2B5EF4-FFF2-40B4-BE49-F238E27FC236}">
-                <a16:creationId xmlns:a16="http://schemas.microsoft.com/office/drawing/2014/main" id="{45729324-0F60-F0D4-F81A-89223297C55A}"/>
+                <a16:creationId xmlns:a16="http://schemas.microsoft.com/office/drawing/2014/main" id="{C8AD4811-8EDC-B7D8-8F44-D6E70D96C405}"/>
               </a:ext>
             </a:extLst>
           </p:cNvPr>
@@ -252,7 +252,7 @@
           <a:bodyPr/>
           <a:lstStyle/>
           <a:p>
-            <a:fld id="{662BD175-30FF-4469-81D9-F2C7664289AC}" type="datetimeFigureOut">
+            <a:fld id="{6B2332AC-5100-4FCD-B98A-5CF16F2893B4}" type="datetimeFigureOut">
               <a:rPr lang="zh-CN" altLang="en-US" smtClean="0"/>
               <a:t>2024/3/10</a:t>
             </a:fld>
@@ -265,7 +265,7 @@
           <p:cNvPr id="5" name="页脚占位符 4">
             <a:extLst>
               <a:ext uri="{FF2B5EF4-FFF2-40B4-BE49-F238E27FC236}">
-                <a16:creationId xmlns:a16="http://schemas.microsoft.com/office/drawing/2014/main" id="{37A26BCC-1216-5E59-B41D-684B436AF95F}"/>
+                <a16:creationId xmlns:a16="http://schemas.microsoft.com/office/drawing/2014/main" id="{1B8B253E-F15D-49EA-8364-FDAA8902EE24}"/>
               </a:ext>
             </a:extLst>
           </p:cNvPr>
@@ -290,7 +290,7 @@
           <p:cNvPr id="6" name="灯片编号占位符 5">
             <a:extLst>
               <a:ext uri="{FF2B5EF4-FFF2-40B4-BE49-F238E27FC236}">
-                <a16:creationId xmlns:a16="http://schemas.microsoft.com/office/drawing/2014/main" id="{EA6F10B7-2380-8032-7C56-B6130BFCDCCD}"/>
+                <a16:creationId xmlns:a16="http://schemas.microsoft.com/office/drawing/2014/main" id="{9D4E188E-9EAB-677F-0143-56F404194920}"/>
               </a:ext>
             </a:extLst>
           </p:cNvPr>
@@ -306,7 +306,7 @@
           <a:bodyPr/>
           <a:lstStyle/>
           <a:p>
-            <a:fld id="{4D5D438D-DBDA-4424-A6DE-DF664E1C21BF}" type="slidenum">
+            <a:fld id="{19E91283-6D92-4272-819C-40A8559C621F}" type="slidenum">
               <a:rPr lang="zh-CN" altLang="en-US" smtClean="0"/>
               <a:t>‹#›</a:t>
             </a:fld>
@@ -317,7 +317,7 @@
     </p:spTree>
     <p:extLst>
       <p:ext uri="{BB962C8B-B14F-4D97-AF65-F5344CB8AC3E}">
-        <p14:creationId xmlns:p14="http://schemas.microsoft.com/office/powerpoint/2010/main" val="1094786593"/>
+        <p14:creationId xmlns:p14="http://schemas.microsoft.com/office/powerpoint/2010/main" val="4020696294"/>
       </p:ext>
     </p:extLst>
   </p:cSld>
@@ -349,7 +349,7 @@
           <p:cNvPr id="2" name="标题 1">
             <a:extLst>
               <a:ext uri="{FF2B5EF4-FFF2-40B4-BE49-F238E27FC236}">
-                <a16:creationId xmlns:a16="http://schemas.microsoft.com/office/drawing/2014/main" id="{A5427165-EF4E-6017-E7B1-7F76AECFB163}"/>
+                <a16:creationId xmlns:a16="http://schemas.microsoft.com/office/drawing/2014/main" id="{25BFAFF6-D12A-653C-0593-199A2B2B17FB}"/>
               </a:ext>
             </a:extLst>
           </p:cNvPr>
@@ -377,7 +377,7 @@
           <p:cNvPr id="3" name="竖排文字占位符 2">
             <a:extLst>
               <a:ext uri="{FF2B5EF4-FFF2-40B4-BE49-F238E27FC236}">
-                <a16:creationId xmlns:a16="http://schemas.microsoft.com/office/drawing/2014/main" id="{2B72606F-227F-2B03-1EC6-538C7EA68A67}"/>
+                <a16:creationId xmlns:a16="http://schemas.microsoft.com/office/drawing/2014/main" id="{961BAE9A-46C5-A9CD-3026-692E59452C87}"/>
               </a:ext>
             </a:extLst>
           </p:cNvPr>
@@ -434,7 +434,7 @@
           <p:cNvPr id="4" name="日期占位符 3">
             <a:extLst>
               <a:ext uri="{FF2B5EF4-FFF2-40B4-BE49-F238E27FC236}">
-                <a16:creationId xmlns:a16="http://schemas.microsoft.com/office/drawing/2014/main" id="{0957EBBB-39F2-69A9-6C7D-F2758FAA8CDD}"/>
+                <a16:creationId xmlns:a16="http://schemas.microsoft.com/office/drawing/2014/main" id="{0AE596D9-E919-FCA3-7C28-5E31A14DD5B5}"/>
               </a:ext>
             </a:extLst>
           </p:cNvPr>
@@ -450,7 +450,7 @@
           <a:bodyPr/>
           <a:lstStyle/>
           <a:p>
-            <a:fld id="{662BD175-30FF-4469-81D9-F2C7664289AC}" type="datetimeFigureOut">
+            <a:fld id="{6B2332AC-5100-4FCD-B98A-5CF16F2893B4}" type="datetimeFigureOut">
               <a:rPr lang="zh-CN" altLang="en-US" smtClean="0"/>
               <a:t>2024/3/10</a:t>
             </a:fld>
@@ -463,7 +463,7 @@
           <p:cNvPr id="5" name="页脚占位符 4">
             <a:extLst>
               <a:ext uri="{FF2B5EF4-FFF2-40B4-BE49-F238E27FC236}">
-                <a16:creationId xmlns:a16="http://schemas.microsoft.com/office/drawing/2014/main" id="{4D639627-10EC-180D-544A-ECA8E2E15EC9}"/>
+                <a16:creationId xmlns:a16="http://schemas.microsoft.com/office/drawing/2014/main" id="{3CCFF8C3-1B4A-5F94-45CA-A99691370803}"/>
               </a:ext>
             </a:extLst>
           </p:cNvPr>
@@ -488,7 +488,7 @@
           <p:cNvPr id="6" name="灯片编号占位符 5">
             <a:extLst>
               <a:ext uri="{FF2B5EF4-FFF2-40B4-BE49-F238E27FC236}">
-                <a16:creationId xmlns:a16="http://schemas.microsoft.com/office/drawing/2014/main" id="{E55D6BD0-2EF1-F8A0-F54E-F79CB5050986}"/>
+                <a16:creationId xmlns:a16="http://schemas.microsoft.com/office/drawing/2014/main" id="{9BFADCE1-17E4-14D9-95C2-2E2DE68E13E8}"/>
               </a:ext>
             </a:extLst>
           </p:cNvPr>
@@ -504,7 +504,7 @@
           <a:bodyPr/>
           <a:lstStyle/>
           <a:p>
-            <a:fld id="{4D5D438D-DBDA-4424-A6DE-DF664E1C21BF}" type="slidenum">
+            <a:fld id="{19E91283-6D92-4272-819C-40A8559C621F}" type="slidenum">
               <a:rPr lang="zh-CN" altLang="en-US" smtClean="0"/>
               <a:t>‹#›</a:t>
             </a:fld>
@@ -515,7 +515,7 @@
     </p:spTree>
     <p:extLst>
       <p:ext uri="{BB962C8B-B14F-4D97-AF65-F5344CB8AC3E}">
-        <p14:creationId xmlns:p14="http://schemas.microsoft.com/office/powerpoint/2010/main" val="3878684715"/>
+        <p14:creationId xmlns:p14="http://schemas.microsoft.com/office/powerpoint/2010/main" val="3294814820"/>
       </p:ext>
     </p:extLst>
   </p:cSld>
@@ -547,7 +547,7 @@
           <p:cNvPr id="2" name="竖排标题 1">
             <a:extLst>
               <a:ext uri="{FF2B5EF4-FFF2-40B4-BE49-F238E27FC236}">
-                <a16:creationId xmlns:a16="http://schemas.microsoft.com/office/drawing/2014/main" id="{51E301A4-66B9-04B2-1ED5-686B156516E8}"/>
+                <a16:creationId xmlns:a16="http://schemas.microsoft.com/office/drawing/2014/main" id="{468CD815-221D-C53A-8F67-DFE050A988F2}"/>
               </a:ext>
             </a:extLst>
           </p:cNvPr>
@@ -580,7 +580,7 @@
           <p:cNvPr id="3" name="竖排文字占位符 2">
             <a:extLst>
               <a:ext uri="{FF2B5EF4-FFF2-40B4-BE49-F238E27FC236}">
-                <a16:creationId xmlns:a16="http://schemas.microsoft.com/office/drawing/2014/main" id="{58CE806A-1CF0-0A8A-6DA7-97A7A167A1B7}"/>
+                <a16:creationId xmlns:a16="http://schemas.microsoft.com/office/drawing/2014/main" id="{D0F0479C-2E62-DBC2-269A-8EC08C6B771F}"/>
               </a:ext>
             </a:extLst>
           </p:cNvPr>
@@ -642,7 +642,7 @@
           <p:cNvPr id="4" name="日期占位符 3">
             <a:extLst>
               <a:ext uri="{FF2B5EF4-FFF2-40B4-BE49-F238E27FC236}">
-                <a16:creationId xmlns:a16="http://schemas.microsoft.com/office/drawing/2014/main" id="{136C07B9-89A6-3C99-A544-CA7A0999ED18}"/>
+                <a16:creationId xmlns:a16="http://schemas.microsoft.com/office/drawing/2014/main" id="{224D8DBF-8365-4D84-DEB3-9BA905AF1098}"/>
               </a:ext>
             </a:extLst>
           </p:cNvPr>
@@ -658,7 +658,7 @@
           <a:bodyPr/>
           <a:lstStyle/>
           <a:p>
-            <a:fld id="{662BD175-30FF-4469-81D9-F2C7664289AC}" type="datetimeFigureOut">
+            <a:fld id="{6B2332AC-5100-4FCD-B98A-5CF16F2893B4}" type="datetimeFigureOut">
               <a:rPr lang="zh-CN" altLang="en-US" smtClean="0"/>
               <a:t>2024/3/10</a:t>
             </a:fld>
@@ -671,7 +671,7 @@
           <p:cNvPr id="5" name="页脚占位符 4">
             <a:extLst>
               <a:ext uri="{FF2B5EF4-FFF2-40B4-BE49-F238E27FC236}">
-                <a16:creationId xmlns:a16="http://schemas.microsoft.com/office/drawing/2014/main" id="{293B3348-6A60-DD4A-AFDD-228466A33F2E}"/>
+                <a16:creationId xmlns:a16="http://schemas.microsoft.com/office/drawing/2014/main" id="{0DC27C82-C11B-612A-7A1C-AC22F64E84FB}"/>
               </a:ext>
             </a:extLst>
           </p:cNvPr>
@@ -696,7 +696,7 @@
           <p:cNvPr id="6" name="灯片编号占位符 5">
             <a:extLst>
               <a:ext uri="{FF2B5EF4-FFF2-40B4-BE49-F238E27FC236}">
-                <a16:creationId xmlns:a16="http://schemas.microsoft.com/office/drawing/2014/main" id="{5BF6312E-220E-FBAA-CB92-4E5F916BD6D4}"/>
+                <a16:creationId xmlns:a16="http://schemas.microsoft.com/office/drawing/2014/main" id="{87A9D47B-D6F6-B654-6F10-09ACDFCA8B7C}"/>
               </a:ext>
             </a:extLst>
           </p:cNvPr>
@@ -712,7 +712,7 @@
           <a:bodyPr/>
           <a:lstStyle/>
           <a:p>
-            <a:fld id="{4D5D438D-DBDA-4424-A6DE-DF664E1C21BF}" type="slidenum">
+            <a:fld id="{19E91283-6D92-4272-819C-40A8559C621F}" type="slidenum">
               <a:rPr lang="zh-CN" altLang="en-US" smtClean="0"/>
               <a:t>‹#›</a:t>
             </a:fld>
@@ -723,7 +723,7 @@
     </p:spTree>
     <p:extLst>
       <p:ext uri="{BB962C8B-B14F-4D97-AF65-F5344CB8AC3E}">
-        <p14:creationId xmlns:p14="http://schemas.microsoft.com/office/powerpoint/2010/main" val="4125464964"/>
+        <p14:creationId xmlns:p14="http://schemas.microsoft.com/office/powerpoint/2010/main" val="1595813057"/>
       </p:ext>
     </p:extLst>
   </p:cSld>
@@ -755,7 +755,7 @@
           <p:cNvPr id="2" name="标题 1">
             <a:extLst>
               <a:ext uri="{FF2B5EF4-FFF2-40B4-BE49-F238E27FC236}">
-                <a16:creationId xmlns:a16="http://schemas.microsoft.com/office/drawing/2014/main" id="{0A245EE1-410B-B656-6FB9-D220B1F99594}"/>
+                <a16:creationId xmlns:a16="http://schemas.microsoft.com/office/drawing/2014/main" id="{3A137A3C-7E19-F2F0-E443-770D37B5DF88}"/>
               </a:ext>
             </a:extLst>
           </p:cNvPr>
@@ -783,7 +783,7 @@
           <p:cNvPr id="3" name="内容占位符 2">
             <a:extLst>
               <a:ext uri="{FF2B5EF4-FFF2-40B4-BE49-F238E27FC236}">
-                <a16:creationId xmlns:a16="http://schemas.microsoft.com/office/drawing/2014/main" id="{539A13A6-A51C-57BA-7479-F5625D6B124A}"/>
+                <a16:creationId xmlns:a16="http://schemas.microsoft.com/office/drawing/2014/main" id="{DF476178-2F2A-DB3C-5BB1-C8918DDA59DF}"/>
               </a:ext>
             </a:extLst>
           </p:cNvPr>
@@ -840,7 +840,7 @@
           <p:cNvPr id="4" name="日期占位符 3">
             <a:extLst>
               <a:ext uri="{FF2B5EF4-FFF2-40B4-BE49-F238E27FC236}">
-                <a16:creationId xmlns:a16="http://schemas.microsoft.com/office/drawing/2014/main" id="{744CF968-F8D8-64FB-67BC-E7BEB9682A73}"/>
+                <a16:creationId xmlns:a16="http://schemas.microsoft.com/office/drawing/2014/main" id="{9FD8D2CA-F533-EC0C-3FD0-5EA565EDF40B}"/>
               </a:ext>
             </a:extLst>
           </p:cNvPr>
@@ -856,7 +856,7 @@
           <a:bodyPr/>
           <a:lstStyle/>
           <a:p>
-            <a:fld id="{662BD175-30FF-4469-81D9-F2C7664289AC}" type="datetimeFigureOut">
+            <a:fld id="{6B2332AC-5100-4FCD-B98A-5CF16F2893B4}" type="datetimeFigureOut">
               <a:rPr lang="zh-CN" altLang="en-US" smtClean="0"/>
               <a:t>2024/3/10</a:t>
             </a:fld>
@@ -869,7 +869,7 @@
           <p:cNvPr id="5" name="页脚占位符 4">
             <a:extLst>
               <a:ext uri="{FF2B5EF4-FFF2-40B4-BE49-F238E27FC236}">
-                <a16:creationId xmlns:a16="http://schemas.microsoft.com/office/drawing/2014/main" id="{E97745D3-5E7D-2257-1359-B0ECD9F310D6}"/>
+                <a16:creationId xmlns:a16="http://schemas.microsoft.com/office/drawing/2014/main" id="{9582176D-7E5D-454E-21C8-7F1C7B52FED7}"/>
               </a:ext>
             </a:extLst>
           </p:cNvPr>
@@ -894,7 +894,7 @@
           <p:cNvPr id="6" name="灯片编号占位符 5">
             <a:extLst>
               <a:ext uri="{FF2B5EF4-FFF2-40B4-BE49-F238E27FC236}">
-                <a16:creationId xmlns:a16="http://schemas.microsoft.com/office/drawing/2014/main" id="{AB629E3F-46C7-80CC-D9DA-E02F3B846B13}"/>
+                <a16:creationId xmlns:a16="http://schemas.microsoft.com/office/drawing/2014/main" id="{D8168A87-8BE5-C511-884C-D29BF47EFA73}"/>
               </a:ext>
             </a:extLst>
           </p:cNvPr>
@@ -910,7 +910,7 @@
           <a:bodyPr/>
           <a:lstStyle/>
           <a:p>
-            <a:fld id="{4D5D438D-DBDA-4424-A6DE-DF664E1C21BF}" type="slidenum">
+            <a:fld id="{19E91283-6D92-4272-819C-40A8559C621F}" type="slidenum">
               <a:rPr lang="zh-CN" altLang="en-US" smtClean="0"/>
               <a:t>‹#›</a:t>
             </a:fld>
@@ -921,7 +921,7 @@
     </p:spTree>
     <p:extLst>
       <p:ext uri="{BB962C8B-B14F-4D97-AF65-F5344CB8AC3E}">
-        <p14:creationId xmlns:p14="http://schemas.microsoft.com/office/powerpoint/2010/main" val="2166838273"/>
+        <p14:creationId xmlns:p14="http://schemas.microsoft.com/office/powerpoint/2010/main" val="684584313"/>
       </p:ext>
     </p:extLst>
   </p:cSld>
@@ -953,7 +953,7 @@
           <p:cNvPr id="2" name="标题 1">
             <a:extLst>
               <a:ext uri="{FF2B5EF4-FFF2-40B4-BE49-F238E27FC236}">
-                <a16:creationId xmlns:a16="http://schemas.microsoft.com/office/drawing/2014/main" id="{380CA1D9-3E34-EDD0-F6AC-11A6AE89C9E6}"/>
+                <a16:creationId xmlns:a16="http://schemas.microsoft.com/office/drawing/2014/main" id="{19B52468-A8D6-764F-1AC4-C2261FA3F479}"/>
               </a:ext>
             </a:extLst>
           </p:cNvPr>
@@ -990,7 +990,7 @@
           <p:cNvPr id="3" name="文本占位符 2">
             <a:extLst>
               <a:ext uri="{FF2B5EF4-FFF2-40B4-BE49-F238E27FC236}">
-                <a16:creationId xmlns:a16="http://schemas.microsoft.com/office/drawing/2014/main" id="{9C5F6E5E-4AE9-8A2F-E655-66ABFE3F1DF6}"/>
+                <a16:creationId xmlns:a16="http://schemas.microsoft.com/office/drawing/2014/main" id="{8F8E7275-9709-E44D-E442-099B5FB52695}"/>
               </a:ext>
             </a:extLst>
           </p:cNvPr>
@@ -1115,7 +1115,7 @@
           <p:cNvPr id="4" name="日期占位符 3">
             <a:extLst>
               <a:ext uri="{FF2B5EF4-FFF2-40B4-BE49-F238E27FC236}">
-                <a16:creationId xmlns:a16="http://schemas.microsoft.com/office/drawing/2014/main" id="{9FF03331-8319-D0FE-7F8D-4891433CD57A}"/>
+                <a16:creationId xmlns:a16="http://schemas.microsoft.com/office/drawing/2014/main" id="{B0B04FF1-EF47-BCBE-A98C-B4CF87EF313D}"/>
               </a:ext>
             </a:extLst>
           </p:cNvPr>
@@ -1131,7 +1131,7 @@
           <a:bodyPr/>
           <a:lstStyle/>
           <a:p>
-            <a:fld id="{662BD175-30FF-4469-81D9-F2C7664289AC}" type="datetimeFigureOut">
+            <a:fld id="{6B2332AC-5100-4FCD-B98A-5CF16F2893B4}" type="datetimeFigureOut">
               <a:rPr lang="zh-CN" altLang="en-US" smtClean="0"/>
               <a:t>2024/3/10</a:t>
             </a:fld>
@@ -1144,7 +1144,7 @@
           <p:cNvPr id="5" name="页脚占位符 4">
             <a:extLst>
               <a:ext uri="{FF2B5EF4-FFF2-40B4-BE49-F238E27FC236}">
-                <a16:creationId xmlns:a16="http://schemas.microsoft.com/office/drawing/2014/main" id="{ABA0E487-CCFB-F8E1-FB1D-80CC787DD507}"/>
+                <a16:creationId xmlns:a16="http://schemas.microsoft.com/office/drawing/2014/main" id="{64E6C6CA-783B-F355-D1BB-A378AE2C96D4}"/>
               </a:ext>
             </a:extLst>
           </p:cNvPr>
@@ -1169,7 +1169,7 @@
           <p:cNvPr id="6" name="灯片编号占位符 5">
             <a:extLst>
               <a:ext uri="{FF2B5EF4-FFF2-40B4-BE49-F238E27FC236}">
-                <a16:creationId xmlns:a16="http://schemas.microsoft.com/office/drawing/2014/main" id="{AE1D9305-6EBE-CD3D-C0C9-2C15EE67198F}"/>
+                <a16:creationId xmlns:a16="http://schemas.microsoft.com/office/drawing/2014/main" id="{FF58892D-B4AF-BF6E-627B-BB4026855E1C}"/>
               </a:ext>
             </a:extLst>
           </p:cNvPr>
@@ -1185,7 +1185,7 @@
           <a:bodyPr/>
           <a:lstStyle/>
           <a:p>
-            <a:fld id="{4D5D438D-DBDA-4424-A6DE-DF664E1C21BF}" type="slidenum">
+            <a:fld id="{19E91283-6D92-4272-819C-40A8559C621F}" type="slidenum">
               <a:rPr lang="zh-CN" altLang="en-US" smtClean="0"/>
               <a:t>‹#›</a:t>
             </a:fld>
@@ -1196,7 +1196,7 @@
     </p:spTree>
     <p:extLst>
       <p:ext uri="{BB962C8B-B14F-4D97-AF65-F5344CB8AC3E}">
-        <p14:creationId xmlns:p14="http://schemas.microsoft.com/office/powerpoint/2010/main" val="239893711"/>
+        <p14:creationId xmlns:p14="http://schemas.microsoft.com/office/powerpoint/2010/main" val="4131808196"/>
       </p:ext>
     </p:extLst>
   </p:cSld>
@@ -1228,7 +1228,7 @@
           <p:cNvPr id="2" name="标题 1">
             <a:extLst>
               <a:ext uri="{FF2B5EF4-FFF2-40B4-BE49-F238E27FC236}">
-                <a16:creationId xmlns:a16="http://schemas.microsoft.com/office/drawing/2014/main" id="{4B0548AD-C1D0-4193-2401-8550C73427DE}"/>
+                <a16:creationId xmlns:a16="http://schemas.microsoft.com/office/drawing/2014/main" id="{F3793E6C-7B18-FA2B-7684-993380E09036}"/>
               </a:ext>
             </a:extLst>
           </p:cNvPr>
@@ -1256,7 +1256,7 @@
           <p:cNvPr id="3" name="内容占位符 2">
             <a:extLst>
               <a:ext uri="{FF2B5EF4-FFF2-40B4-BE49-F238E27FC236}">
-                <a16:creationId xmlns:a16="http://schemas.microsoft.com/office/drawing/2014/main" id="{F716499B-7EA9-6621-EE01-B3A08BC51815}"/>
+                <a16:creationId xmlns:a16="http://schemas.microsoft.com/office/drawing/2014/main" id="{862EAE51-5550-85BD-F7AB-352425B28BFD}"/>
               </a:ext>
             </a:extLst>
           </p:cNvPr>
@@ -1318,7 +1318,7 @@
           <p:cNvPr id="4" name="内容占位符 3">
             <a:extLst>
               <a:ext uri="{FF2B5EF4-FFF2-40B4-BE49-F238E27FC236}">
-                <a16:creationId xmlns:a16="http://schemas.microsoft.com/office/drawing/2014/main" id="{4FB6499C-8661-4F3B-511F-60ED6B6AB8E9}"/>
+                <a16:creationId xmlns:a16="http://schemas.microsoft.com/office/drawing/2014/main" id="{F5EA5C21-A443-8FDC-93F1-24D70EFF0875}"/>
               </a:ext>
             </a:extLst>
           </p:cNvPr>
@@ -1380,7 +1380,7 @@
           <p:cNvPr id="5" name="日期占位符 4">
             <a:extLst>
               <a:ext uri="{FF2B5EF4-FFF2-40B4-BE49-F238E27FC236}">
-                <a16:creationId xmlns:a16="http://schemas.microsoft.com/office/drawing/2014/main" id="{AA2033B1-0BA5-5674-E672-9E688FFA9410}"/>
+                <a16:creationId xmlns:a16="http://schemas.microsoft.com/office/drawing/2014/main" id="{4D822809-A40C-F782-DF9D-2A00987D16FF}"/>
               </a:ext>
             </a:extLst>
           </p:cNvPr>
@@ -1396,7 +1396,7 @@
           <a:bodyPr/>
           <a:lstStyle/>
           <a:p>
-            <a:fld id="{662BD175-30FF-4469-81D9-F2C7664289AC}" type="datetimeFigureOut">
+            <a:fld id="{6B2332AC-5100-4FCD-B98A-5CF16F2893B4}" type="datetimeFigureOut">
               <a:rPr lang="zh-CN" altLang="en-US" smtClean="0"/>
               <a:t>2024/3/10</a:t>
             </a:fld>
@@ -1409,7 +1409,7 @@
           <p:cNvPr id="6" name="页脚占位符 5">
             <a:extLst>
               <a:ext uri="{FF2B5EF4-FFF2-40B4-BE49-F238E27FC236}">
-                <a16:creationId xmlns:a16="http://schemas.microsoft.com/office/drawing/2014/main" id="{D96092C4-6352-3D52-53EC-0DB9C82981BC}"/>
+                <a16:creationId xmlns:a16="http://schemas.microsoft.com/office/drawing/2014/main" id="{8304A60A-7293-0434-4DF0-2064773BFD51}"/>
               </a:ext>
             </a:extLst>
           </p:cNvPr>
@@ -1434,7 +1434,7 @@
           <p:cNvPr id="7" name="灯片编号占位符 6">
             <a:extLst>
               <a:ext uri="{FF2B5EF4-FFF2-40B4-BE49-F238E27FC236}">
-                <a16:creationId xmlns:a16="http://schemas.microsoft.com/office/drawing/2014/main" id="{0BCC0A8A-97E5-3D1B-11FF-5F13581B9F9A}"/>
+                <a16:creationId xmlns:a16="http://schemas.microsoft.com/office/drawing/2014/main" id="{8CAF2CFD-54AB-7885-7853-DB01AA2CDABD}"/>
               </a:ext>
             </a:extLst>
           </p:cNvPr>
@@ -1450,7 +1450,7 @@
           <a:bodyPr/>
           <a:lstStyle/>
           <a:p>
-            <a:fld id="{4D5D438D-DBDA-4424-A6DE-DF664E1C21BF}" type="slidenum">
+            <a:fld id="{19E91283-6D92-4272-819C-40A8559C621F}" type="slidenum">
               <a:rPr lang="zh-CN" altLang="en-US" smtClean="0"/>
               <a:t>‹#›</a:t>
             </a:fld>
@@ -1461,7 +1461,7 @@
     </p:spTree>
     <p:extLst>
       <p:ext uri="{BB962C8B-B14F-4D97-AF65-F5344CB8AC3E}">
-        <p14:creationId xmlns:p14="http://schemas.microsoft.com/office/powerpoint/2010/main" val="2647185161"/>
+        <p14:creationId xmlns:p14="http://schemas.microsoft.com/office/powerpoint/2010/main" val="2048749427"/>
       </p:ext>
     </p:extLst>
   </p:cSld>
@@ -1493,7 +1493,7 @@
           <p:cNvPr id="2" name="标题 1">
             <a:extLst>
               <a:ext uri="{FF2B5EF4-FFF2-40B4-BE49-F238E27FC236}">
-                <a16:creationId xmlns:a16="http://schemas.microsoft.com/office/drawing/2014/main" id="{7A4037D4-1E56-A6EB-A1FD-CF66A9F1910C}"/>
+                <a16:creationId xmlns:a16="http://schemas.microsoft.com/office/drawing/2014/main" id="{DAE69AAD-F3CF-980C-785F-62F596FDF8A3}"/>
               </a:ext>
             </a:extLst>
           </p:cNvPr>
@@ -1526,7 +1526,7 @@
           <p:cNvPr id="3" name="文本占位符 2">
             <a:extLst>
               <a:ext uri="{FF2B5EF4-FFF2-40B4-BE49-F238E27FC236}">
-                <a16:creationId xmlns:a16="http://schemas.microsoft.com/office/drawing/2014/main" id="{7D918C8A-6D81-0761-052E-9ED2ED745C14}"/>
+                <a16:creationId xmlns:a16="http://schemas.microsoft.com/office/drawing/2014/main" id="{7DAB5DB4-2D06-EAEF-A844-9FDE53D4AD4F}"/>
               </a:ext>
             </a:extLst>
           </p:cNvPr>
@@ -1597,7 +1597,7 @@
           <p:cNvPr id="4" name="内容占位符 3">
             <a:extLst>
               <a:ext uri="{FF2B5EF4-FFF2-40B4-BE49-F238E27FC236}">
-                <a16:creationId xmlns:a16="http://schemas.microsoft.com/office/drawing/2014/main" id="{FA873588-311E-948E-89B7-6623D6B5E70A}"/>
+                <a16:creationId xmlns:a16="http://schemas.microsoft.com/office/drawing/2014/main" id="{A3A87571-016B-BC09-BFAF-BD15C7B1DC42}"/>
               </a:ext>
             </a:extLst>
           </p:cNvPr>
@@ -1659,7 +1659,7 @@
           <p:cNvPr id="5" name="文本占位符 4">
             <a:extLst>
               <a:ext uri="{FF2B5EF4-FFF2-40B4-BE49-F238E27FC236}">
-                <a16:creationId xmlns:a16="http://schemas.microsoft.com/office/drawing/2014/main" id="{574C43F8-BCD5-CCB0-8303-E20AC3B4681F}"/>
+                <a16:creationId xmlns:a16="http://schemas.microsoft.com/office/drawing/2014/main" id="{521589BA-0E54-140B-E4CF-99F0D9F1CC2E}"/>
               </a:ext>
             </a:extLst>
           </p:cNvPr>
@@ -1730,7 +1730,7 @@
           <p:cNvPr id="6" name="内容占位符 5">
             <a:extLst>
               <a:ext uri="{FF2B5EF4-FFF2-40B4-BE49-F238E27FC236}">
-                <a16:creationId xmlns:a16="http://schemas.microsoft.com/office/drawing/2014/main" id="{8D56BF6F-468A-CE9F-4BDE-6E0742B5380C}"/>
+                <a16:creationId xmlns:a16="http://schemas.microsoft.com/office/drawing/2014/main" id="{ED012EBF-A782-E8F8-5AC8-EA6EAA2579EF}"/>
               </a:ext>
             </a:extLst>
           </p:cNvPr>
@@ -1792,7 +1792,7 @@
           <p:cNvPr id="7" name="日期占位符 6">
             <a:extLst>
               <a:ext uri="{FF2B5EF4-FFF2-40B4-BE49-F238E27FC236}">
-                <a16:creationId xmlns:a16="http://schemas.microsoft.com/office/drawing/2014/main" id="{E3AD5398-EEB2-44D0-64B5-630D06906D06}"/>
+                <a16:creationId xmlns:a16="http://schemas.microsoft.com/office/drawing/2014/main" id="{B0900391-C608-B19A-B598-EFEC65D3B670}"/>
               </a:ext>
             </a:extLst>
           </p:cNvPr>
@@ -1808,7 +1808,7 @@
           <a:bodyPr/>
           <a:lstStyle/>
           <a:p>
-            <a:fld id="{662BD175-30FF-4469-81D9-F2C7664289AC}" type="datetimeFigureOut">
+            <a:fld id="{6B2332AC-5100-4FCD-B98A-5CF16F2893B4}" type="datetimeFigureOut">
               <a:rPr lang="zh-CN" altLang="en-US" smtClean="0"/>
               <a:t>2024/3/10</a:t>
             </a:fld>
@@ -1821,7 +1821,7 @@
           <p:cNvPr id="8" name="页脚占位符 7">
             <a:extLst>
               <a:ext uri="{FF2B5EF4-FFF2-40B4-BE49-F238E27FC236}">
-                <a16:creationId xmlns:a16="http://schemas.microsoft.com/office/drawing/2014/main" id="{8A7D051D-7D4D-0153-F091-F5520B5B3889}"/>
+                <a16:creationId xmlns:a16="http://schemas.microsoft.com/office/drawing/2014/main" id="{22FD3C4D-F3AF-E796-1541-EE7C053D7AEB}"/>
               </a:ext>
             </a:extLst>
           </p:cNvPr>
@@ -1846,7 +1846,7 @@
           <p:cNvPr id="9" name="灯片编号占位符 8">
             <a:extLst>
               <a:ext uri="{FF2B5EF4-FFF2-40B4-BE49-F238E27FC236}">
-                <a16:creationId xmlns:a16="http://schemas.microsoft.com/office/drawing/2014/main" id="{5B60C4A6-052C-FF57-8E3F-FFB3C91C7414}"/>
+                <a16:creationId xmlns:a16="http://schemas.microsoft.com/office/drawing/2014/main" id="{40CA6CFD-9736-419C-3287-0B3C84B2DCFA}"/>
               </a:ext>
             </a:extLst>
           </p:cNvPr>
@@ -1862,7 +1862,7 @@
           <a:bodyPr/>
           <a:lstStyle/>
           <a:p>
-            <a:fld id="{4D5D438D-DBDA-4424-A6DE-DF664E1C21BF}" type="slidenum">
+            <a:fld id="{19E91283-6D92-4272-819C-40A8559C621F}" type="slidenum">
               <a:rPr lang="zh-CN" altLang="en-US" smtClean="0"/>
               <a:t>‹#›</a:t>
             </a:fld>
@@ -1873,7 +1873,7 @@
     </p:spTree>
     <p:extLst>
       <p:ext uri="{BB962C8B-B14F-4D97-AF65-F5344CB8AC3E}">
-        <p14:creationId xmlns:p14="http://schemas.microsoft.com/office/powerpoint/2010/main" val="3397910864"/>
+        <p14:creationId xmlns:p14="http://schemas.microsoft.com/office/powerpoint/2010/main" val="503169239"/>
       </p:ext>
     </p:extLst>
   </p:cSld>
@@ -1905,7 +1905,7 @@
           <p:cNvPr id="2" name="标题 1">
             <a:extLst>
               <a:ext uri="{FF2B5EF4-FFF2-40B4-BE49-F238E27FC236}">
-                <a16:creationId xmlns:a16="http://schemas.microsoft.com/office/drawing/2014/main" id="{27171ECD-E12C-0479-3972-07083FDDC01A}"/>
+                <a16:creationId xmlns:a16="http://schemas.microsoft.com/office/drawing/2014/main" id="{EE830ACC-BD4A-1B6C-E18A-E79509D650FD}"/>
               </a:ext>
             </a:extLst>
           </p:cNvPr>
@@ -1933,7 +1933,7 @@
           <p:cNvPr id="3" name="日期占位符 2">
             <a:extLst>
               <a:ext uri="{FF2B5EF4-FFF2-40B4-BE49-F238E27FC236}">
-                <a16:creationId xmlns:a16="http://schemas.microsoft.com/office/drawing/2014/main" id="{23656B5A-59BD-CE51-C88C-3B5D9B7B9196}"/>
+                <a16:creationId xmlns:a16="http://schemas.microsoft.com/office/drawing/2014/main" id="{CA653985-6A13-1225-C0E6-F9F70B4478E8}"/>
               </a:ext>
             </a:extLst>
           </p:cNvPr>
@@ -1949,7 +1949,7 @@
           <a:bodyPr/>
           <a:lstStyle/>
           <a:p>
-            <a:fld id="{662BD175-30FF-4469-81D9-F2C7664289AC}" type="datetimeFigureOut">
+            <a:fld id="{6B2332AC-5100-4FCD-B98A-5CF16F2893B4}" type="datetimeFigureOut">
               <a:rPr lang="zh-CN" altLang="en-US" smtClean="0"/>
               <a:t>2024/3/10</a:t>
             </a:fld>
@@ -1962,7 +1962,7 @@
           <p:cNvPr id="4" name="页脚占位符 3">
             <a:extLst>
               <a:ext uri="{FF2B5EF4-FFF2-40B4-BE49-F238E27FC236}">
-                <a16:creationId xmlns:a16="http://schemas.microsoft.com/office/drawing/2014/main" id="{5583E315-00F3-9DC9-1460-061A62426FA6}"/>
+                <a16:creationId xmlns:a16="http://schemas.microsoft.com/office/drawing/2014/main" id="{EA18CFED-412F-E5D7-DA4D-92B573F8AEF8}"/>
               </a:ext>
             </a:extLst>
           </p:cNvPr>
@@ -1987,7 +1987,7 @@
           <p:cNvPr id="5" name="灯片编号占位符 4">
             <a:extLst>
               <a:ext uri="{FF2B5EF4-FFF2-40B4-BE49-F238E27FC236}">
-                <a16:creationId xmlns:a16="http://schemas.microsoft.com/office/drawing/2014/main" id="{76A09083-0784-BA97-0A71-8B483D7C26A7}"/>
+                <a16:creationId xmlns:a16="http://schemas.microsoft.com/office/drawing/2014/main" id="{B62C3E59-A015-B845-D8A6-76433FFF8999}"/>
               </a:ext>
             </a:extLst>
           </p:cNvPr>
@@ -2003,7 +2003,7 @@
           <a:bodyPr/>
           <a:lstStyle/>
           <a:p>
-            <a:fld id="{4D5D438D-DBDA-4424-A6DE-DF664E1C21BF}" type="slidenum">
+            <a:fld id="{19E91283-6D92-4272-819C-40A8559C621F}" type="slidenum">
               <a:rPr lang="zh-CN" altLang="en-US" smtClean="0"/>
               <a:t>‹#›</a:t>
             </a:fld>
@@ -2014,7 +2014,7 @@
     </p:spTree>
     <p:extLst>
       <p:ext uri="{BB962C8B-B14F-4D97-AF65-F5344CB8AC3E}">
-        <p14:creationId xmlns:p14="http://schemas.microsoft.com/office/powerpoint/2010/main" val="2840890527"/>
+        <p14:creationId xmlns:p14="http://schemas.microsoft.com/office/powerpoint/2010/main" val="1139257597"/>
       </p:ext>
     </p:extLst>
   </p:cSld>
@@ -2046,7 +2046,7 @@
           <p:cNvPr id="2" name="日期占位符 1">
             <a:extLst>
               <a:ext uri="{FF2B5EF4-FFF2-40B4-BE49-F238E27FC236}">
-                <a16:creationId xmlns:a16="http://schemas.microsoft.com/office/drawing/2014/main" id="{1849B0E8-6B9A-4727-4E64-EB5FCE0D4415}"/>
+                <a16:creationId xmlns:a16="http://schemas.microsoft.com/office/drawing/2014/main" id="{6E98CBC0-2A06-CD66-984C-1047A2724012}"/>
               </a:ext>
             </a:extLst>
           </p:cNvPr>
@@ -2062,7 +2062,7 @@
           <a:bodyPr/>
           <a:lstStyle/>
           <a:p>
-            <a:fld id="{662BD175-30FF-4469-81D9-F2C7664289AC}" type="datetimeFigureOut">
+            <a:fld id="{6B2332AC-5100-4FCD-B98A-5CF16F2893B4}" type="datetimeFigureOut">
               <a:rPr lang="zh-CN" altLang="en-US" smtClean="0"/>
               <a:t>2024/3/10</a:t>
             </a:fld>
@@ -2075,7 +2075,7 @@
           <p:cNvPr id="3" name="页脚占位符 2">
             <a:extLst>
               <a:ext uri="{FF2B5EF4-FFF2-40B4-BE49-F238E27FC236}">
-                <a16:creationId xmlns:a16="http://schemas.microsoft.com/office/drawing/2014/main" id="{787E591E-2C63-8118-9C55-9357C1EA8E30}"/>
+                <a16:creationId xmlns:a16="http://schemas.microsoft.com/office/drawing/2014/main" id="{350CE378-F56C-A2B3-371F-44BF2AC396D9}"/>
               </a:ext>
             </a:extLst>
           </p:cNvPr>
@@ -2100,7 +2100,7 @@
           <p:cNvPr id="4" name="灯片编号占位符 3">
             <a:extLst>
               <a:ext uri="{FF2B5EF4-FFF2-40B4-BE49-F238E27FC236}">
-                <a16:creationId xmlns:a16="http://schemas.microsoft.com/office/drawing/2014/main" id="{E26484C8-850A-274F-2EFC-09111CA0828B}"/>
+                <a16:creationId xmlns:a16="http://schemas.microsoft.com/office/drawing/2014/main" id="{6DED9B15-45DF-D72E-259A-A3FD3272AB08}"/>
               </a:ext>
             </a:extLst>
           </p:cNvPr>
@@ -2116,7 +2116,7 @@
           <a:bodyPr/>
           <a:lstStyle/>
           <a:p>
-            <a:fld id="{4D5D438D-DBDA-4424-A6DE-DF664E1C21BF}" type="slidenum">
+            <a:fld id="{19E91283-6D92-4272-819C-40A8559C621F}" type="slidenum">
               <a:rPr lang="zh-CN" altLang="en-US" smtClean="0"/>
               <a:t>‹#›</a:t>
             </a:fld>
@@ -2127,7 +2127,7 @@
     </p:spTree>
     <p:extLst>
       <p:ext uri="{BB962C8B-B14F-4D97-AF65-F5344CB8AC3E}">
-        <p14:creationId xmlns:p14="http://schemas.microsoft.com/office/powerpoint/2010/main" val="2962780760"/>
+        <p14:creationId xmlns:p14="http://schemas.microsoft.com/office/powerpoint/2010/main" val="3059716589"/>
       </p:ext>
     </p:extLst>
   </p:cSld>
@@ -2159,7 +2159,7 @@
           <p:cNvPr id="2" name="标题 1">
             <a:extLst>
               <a:ext uri="{FF2B5EF4-FFF2-40B4-BE49-F238E27FC236}">
-                <a16:creationId xmlns:a16="http://schemas.microsoft.com/office/drawing/2014/main" id="{1D1C215C-EC2C-096A-5168-A482F30A0248}"/>
+                <a16:creationId xmlns:a16="http://schemas.microsoft.com/office/drawing/2014/main" id="{B9BA0395-21F3-55C5-8AC6-7C939B487E5D}"/>
               </a:ext>
             </a:extLst>
           </p:cNvPr>
@@ -2196,7 +2196,7 @@
           <p:cNvPr id="3" name="内容占位符 2">
             <a:extLst>
               <a:ext uri="{FF2B5EF4-FFF2-40B4-BE49-F238E27FC236}">
-                <a16:creationId xmlns:a16="http://schemas.microsoft.com/office/drawing/2014/main" id="{16D7A3EA-E818-B241-E31A-F1A794EEA4BE}"/>
+                <a16:creationId xmlns:a16="http://schemas.microsoft.com/office/drawing/2014/main" id="{F167A520-19DC-1564-0E7D-4A68E4822D8C}"/>
               </a:ext>
             </a:extLst>
           </p:cNvPr>
@@ -2286,7 +2286,7 @@
           <p:cNvPr id="4" name="文本占位符 3">
             <a:extLst>
               <a:ext uri="{FF2B5EF4-FFF2-40B4-BE49-F238E27FC236}">
-                <a16:creationId xmlns:a16="http://schemas.microsoft.com/office/drawing/2014/main" id="{24F25A1B-A245-5717-189C-3B43F46FFEE1}"/>
+                <a16:creationId xmlns:a16="http://schemas.microsoft.com/office/drawing/2014/main" id="{36B18C23-426A-5D97-977B-E5D0F2D84D6F}"/>
               </a:ext>
             </a:extLst>
           </p:cNvPr>
@@ -2357,7 +2357,7 @@
           <p:cNvPr id="5" name="日期占位符 4">
             <a:extLst>
               <a:ext uri="{FF2B5EF4-FFF2-40B4-BE49-F238E27FC236}">
-                <a16:creationId xmlns:a16="http://schemas.microsoft.com/office/drawing/2014/main" id="{1781CA20-22CE-B51A-9614-F30482EA6F86}"/>
+                <a16:creationId xmlns:a16="http://schemas.microsoft.com/office/drawing/2014/main" id="{CD37176D-FA45-036C-4CDB-98C3D2850D18}"/>
               </a:ext>
             </a:extLst>
           </p:cNvPr>
@@ -2373,7 +2373,7 @@
           <a:bodyPr/>
           <a:lstStyle/>
           <a:p>
-            <a:fld id="{662BD175-30FF-4469-81D9-F2C7664289AC}" type="datetimeFigureOut">
+            <a:fld id="{6B2332AC-5100-4FCD-B98A-5CF16F2893B4}" type="datetimeFigureOut">
               <a:rPr lang="zh-CN" altLang="en-US" smtClean="0"/>
               <a:t>2024/3/10</a:t>
             </a:fld>
@@ -2386,7 +2386,7 @@
           <p:cNvPr id="6" name="页脚占位符 5">
             <a:extLst>
               <a:ext uri="{FF2B5EF4-FFF2-40B4-BE49-F238E27FC236}">
-                <a16:creationId xmlns:a16="http://schemas.microsoft.com/office/drawing/2014/main" id="{B613376E-B1AA-038C-C58E-9B6710563906}"/>
+                <a16:creationId xmlns:a16="http://schemas.microsoft.com/office/drawing/2014/main" id="{034773E7-72AB-763D-4629-DE079133A842}"/>
               </a:ext>
             </a:extLst>
           </p:cNvPr>
@@ -2411,7 +2411,7 @@
           <p:cNvPr id="7" name="灯片编号占位符 6">
             <a:extLst>
               <a:ext uri="{FF2B5EF4-FFF2-40B4-BE49-F238E27FC236}">
-                <a16:creationId xmlns:a16="http://schemas.microsoft.com/office/drawing/2014/main" id="{44D142E6-B327-4E4A-0C6F-AD40D2A34B00}"/>
+                <a16:creationId xmlns:a16="http://schemas.microsoft.com/office/drawing/2014/main" id="{D2CDFE34-4B3D-9A73-7B61-7340B9DDD2CD}"/>
               </a:ext>
             </a:extLst>
           </p:cNvPr>
@@ -2427,7 +2427,7 @@
           <a:bodyPr/>
           <a:lstStyle/>
           <a:p>
-            <a:fld id="{4D5D438D-DBDA-4424-A6DE-DF664E1C21BF}" type="slidenum">
+            <a:fld id="{19E91283-6D92-4272-819C-40A8559C621F}" type="slidenum">
               <a:rPr lang="zh-CN" altLang="en-US" smtClean="0"/>
               <a:t>‹#›</a:t>
             </a:fld>
@@ -2438,7 +2438,7 @@
     </p:spTree>
     <p:extLst>
       <p:ext uri="{BB962C8B-B14F-4D97-AF65-F5344CB8AC3E}">
-        <p14:creationId xmlns:p14="http://schemas.microsoft.com/office/powerpoint/2010/main" val="2521231610"/>
+        <p14:creationId xmlns:p14="http://schemas.microsoft.com/office/powerpoint/2010/main" val="465862614"/>
       </p:ext>
     </p:extLst>
   </p:cSld>
@@ -2470,7 +2470,7 @@
           <p:cNvPr id="2" name="标题 1">
             <a:extLst>
               <a:ext uri="{FF2B5EF4-FFF2-40B4-BE49-F238E27FC236}">
-                <a16:creationId xmlns:a16="http://schemas.microsoft.com/office/drawing/2014/main" id="{E131D5F7-E6E6-A8F9-8709-5CD39E3CC3B5}"/>
+                <a16:creationId xmlns:a16="http://schemas.microsoft.com/office/drawing/2014/main" id="{B9425200-57EA-C3ED-64B7-18BDF0515FD1}"/>
               </a:ext>
             </a:extLst>
           </p:cNvPr>
@@ -2507,7 +2507,7 @@
           <p:cNvPr id="3" name="图片占位符 2">
             <a:extLst>
               <a:ext uri="{FF2B5EF4-FFF2-40B4-BE49-F238E27FC236}">
-                <a16:creationId xmlns:a16="http://schemas.microsoft.com/office/drawing/2014/main" id="{4DDC4FB1-99E3-F52D-9E1B-0C471AE24166}"/>
+                <a16:creationId xmlns:a16="http://schemas.microsoft.com/office/drawing/2014/main" id="{595F360B-B68A-3DD5-A32B-F7444E374274}"/>
               </a:ext>
             </a:extLst>
           </p:cNvPr>
@@ -2574,7 +2574,7 @@
           <p:cNvPr id="4" name="文本占位符 3">
             <a:extLst>
               <a:ext uri="{FF2B5EF4-FFF2-40B4-BE49-F238E27FC236}">
-                <a16:creationId xmlns:a16="http://schemas.microsoft.com/office/drawing/2014/main" id="{7BB100BB-94E2-4BE9-330A-A03F58150424}"/>
+                <a16:creationId xmlns:a16="http://schemas.microsoft.com/office/drawing/2014/main" id="{5932CCB2-C225-881E-0D6C-F92DCFEEF997}"/>
               </a:ext>
             </a:extLst>
           </p:cNvPr>
@@ -2645,7 +2645,7 @@
           <p:cNvPr id="5" name="日期占位符 4">
             <a:extLst>
               <a:ext uri="{FF2B5EF4-FFF2-40B4-BE49-F238E27FC236}">
-                <a16:creationId xmlns:a16="http://schemas.microsoft.com/office/drawing/2014/main" id="{C8F88385-72D8-924F-CA29-C9480E270C77}"/>
+                <a16:creationId xmlns:a16="http://schemas.microsoft.com/office/drawing/2014/main" id="{3616787E-ED91-779D-134C-7C6CC651CB70}"/>
               </a:ext>
             </a:extLst>
           </p:cNvPr>
@@ -2661,7 +2661,7 @@
           <a:bodyPr/>
           <a:lstStyle/>
           <a:p>
-            <a:fld id="{662BD175-30FF-4469-81D9-F2C7664289AC}" type="datetimeFigureOut">
+            <a:fld id="{6B2332AC-5100-4FCD-B98A-5CF16F2893B4}" type="datetimeFigureOut">
               <a:rPr lang="zh-CN" altLang="en-US" smtClean="0"/>
               <a:t>2024/3/10</a:t>
             </a:fld>
@@ -2674,7 +2674,7 @@
           <p:cNvPr id="6" name="页脚占位符 5">
             <a:extLst>
               <a:ext uri="{FF2B5EF4-FFF2-40B4-BE49-F238E27FC236}">
-                <a16:creationId xmlns:a16="http://schemas.microsoft.com/office/drawing/2014/main" id="{6A918DDB-BF00-CEA2-8633-705AF8D19706}"/>
+                <a16:creationId xmlns:a16="http://schemas.microsoft.com/office/drawing/2014/main" id="{02A7E5F9-10D6-A6AB-45AF-6530BDE44416}"/>
               </a:ext>
             </a:extLst>
           </p:cNvPr>
@@ -2699,7 +2699,7 @@
           <p:cNvPr id="7" name="灯片编号占位符 6">
             <a:extLst>
               <a:ext uri="{FF2B5EF4-FFF2-40B4-BE49-F238E27FC236}">
-                <a16:creationId xmlns:a16="http://schemas.microsoft.com/office/drawing/2014/main" id="{D654F48D-D37A-035E-F432-FCF72B0D3CA9}"/>
+                <a16:creationId xmlns:a16="http://schemas.microsoft.com/office/drawing/2014/main" id="{D776BF5B-06E4-94E1-177C-8023719D2F9F}"/>
               </a:ext>
             </a:extLst>
           </p:cNvPr>
@@ -2715,7 +2715,7 @@
           <a:bodyPr/>
           <a:lstStyle/>
           <a:p>
-            <a:fld id="{4D5D438D-DBDA-4424-A6DE-DF664E1C21BF}" type="slidenum">
+            <a:fld id="{19E91283-6D92-4272-819C-40A8559C621F}" type="slidenum">
               <a:rPr lang="zh-CN" altLang="en-US" smtClean="0"/>
               <a:t>‹#›</a:t>
             </a:fld>
@@ -2726,7 +2726,7 @@
     </p:spTree>
     <p:extLst>
       <p:ext uri="{BB962C8B-B14F-4D97-AF65-F5344CB8AC3E}">
-        <p14:creationId xmlns:p14="http://schemas.microsoft.com/office/powerpoint/2010/main" val="1476371735"/>
+        <p14:creationId xmlns:p14="http://schemas.microsoft.com/office/powerpoint/2010/main" val="3619142647"/>
       </p:ext>
     </p:extLst>
   </p:cSld>
@@ -2763,7 +2763,7 @@
           <p:cNvPr id="2" name="标题占位符 1">
             <a:extLst>
               <a:ext uri="{FF2B5EF4-FFF2-40B4-BE49-F238E27FC236}">
-                <a16:creationId xmlns:a16="http://schemas.microsoft.com/office/drawing/2014/main" id="{012F6D1E-80CD-4ED9-15BA-0777779A83CD}"/>
+                <a16:creationId xmlns:a16="http://schemas.microsoft.com/office/drawing/2014/main" id="{ADD13EE4-69EB-17CF-BC09-52E5036F0AAD}"/>
               </a:ext>
             </a:extLst>
           </p:cNvPr>
@@ -2801,7 +2801,7 @@
           <p:cNvPr id="3" name="文本占位符 2">
             <a:extLst>
               <a:ext uri="{FF2B5EF4-FFF2-40B4-BE49-F238E27FC236}">
-                <a16:creationId xmlns:a16="http://schemas.microsoft.com/office/drawing/2014/main" id="{5E95E9BB-BE47-193B-B9BB-B005B63E2A8D}"/>
+                <a16:creationId xmlns:a16="http://schemas.microsoft.com/office/drawing/2014/main" id="{804DD53D-928A-37E1-72CD-5D9A126FEC8D}"/>
               </a:ext>
             </a:extLst>
           </p:cNvPr>
@@ -2868,7 +2868,7 @@
           <p:cNvPr id="4" name="日期占位符 3">
             <a:extLst>
               <a:ext uri="{FF2B5EF4-FFF2-40B4-BE49-F238E27FC236}">
-                <a16:creationId xmlns:a16="http://schemas.microsoft.com/office/drawing/2014/main" id="{E96CDD99-C5F8-A4BE-B3F8-F8F73D0C19D1}"/>
+                <a16:creationId xmlns:a16="http://schemas.microsoft.com/office/drawing/2014/main" id="{50624AE6-A912-9226-97D5-3BAE03F3B889}"/>
               </a:ext>
             </a:extLst>
           </p:cNvPr>
@@ -2902,7 +2902,7 @@
             </a:lvl1pPr>
           </a:lstStyle>
           <a:p>
-            <a:fld id="{662BD175-30FF-4469-81D9-F2C7664289AC}" type="datetimeFigureOut">
+            <a:fld id="{6B2332AC-5100-4FCD-B98A-5CF16F2893B4}" type="datetimeFigureOut">
               <a:rPr lang="zh-CN" altLang="en-US" smtClean="0"/>
               <a:t>2024/3/10</a:t>
             </a:fld>
@@ -2915,7 +2915,7 @@
           <p:cNvPr id="5" name="页脚占位符 4">
             <a:extLst>
               <a:ext uri="{FF2B5EF4-FFF2-40B4-BE49-F238E27FC236}">
-                <a16:creationId xmlns:a16="http://schemas.microsoft.com/office/drawing/2014/main" id="{5010F172-52DA-CE2B-3164-757621188074}"/>
+                <a16:creationId xmlns:a16="http://schemas.microsoft.com/office/drawing/2014/main" id="{00CA854E-91F7-A086-6379-B2BD07A53496}"/>
               </a:ext>
             </a:extLst>
           </p:cNvPr>
@@ -2958,7 +2958,7 @@
           <p:cNvPr id="6" name="灯片编号占位符 5">
             <a:extLst>
               <a:ext uri="{FF2B5EF4-FFF2-40B4-BE49-F238E27FC236}">
-                <a16:creationId xmlns:a16="http://schemas.microsoft.com/office/drawing/2014/main" id="{8A0BB335-E346-C715-38B0-86C37D76419B}"/>
+                <a16:creationId xmlns:a16="http://schemas.microsoft.com/office/drawing/2014/main" id="{FD2FE65B-5493-C7A6-E24D-1509C3724B8A}"/>
               </a:ext>
             </a:extLst>
           </p:cNvPr>
@@ -2992,7 +2992,7 @@
             </a:lvl1pPr>
           </a:lstStyle>
           <a:p>
-            <a:fld id="{4D5D438D-DBDA-4424-A6DE-DF664E1C21BF}" type="slidenum">
+            <a:fld id="{19E91283-6D92-4272-819C-40A8559C621F}" type="slidenum">
               <a:rPr lang="zh-CN" altLang="en-US" smtClean="0"/>
               <a:t>‹#›</a:t>
             </a:fld>
@@ -3003,7 +3003,7 @@
     </p:spTree>
     <p:extLst>
       <p:ext uri="{BB962C8B-B14F-4D97-AF65-F5344CB8AC3E}">
-        <p14:creationId xmlns:p14="http://schemas.microsoft.com/office/powerpoint/2010/main" val="1509483025"/>
+        <p14:creationId xmlns:p14="http://schemas.microsoft.com/office/powerpoint/2010/main" val="2149113542"/>
       </p:ext>
     </p:extLst>
   </p:cSld>
@@ -3323,7 +3323,7 @@
       </p:grpSpPr>
       <p:pic>
         <p:nvPicPr>
-          <p:cNvPr id="996354" name="Picture 2" descr="972"/>
+          <p:cNvPr id="997378" name="Picture 2" descr="973"/>
           <p:cNvPicPr>
             <a:picLocks noChangeAspect="1" noChangeArrowheads="1"/>
           </p:cNvPicPr>
@@ -3377,7 +3377,7 @@
       </p:pic>
       <p:pic>
         <p:nvPicPr>
-          <p:cNvPr id="997379" name="Picture 3" descr="972-2"/>
+          <p:cNvPr id="998403" name="Picture 3" descr="973-2"/>
           <p:cNvPicPr>
             <a:picLocks noChangeAspect="1" noChangeArrowheads="1"/>
           </p:cNvPicPr>
@@ -3398,8 +3398,8 @@
         </p:blipFill>
         <p:spPr bwMode="auto">
           <a:xfrm>
-            <a:off x="1524000" y="0"/>
-            <a:ext cx="9144000" cy="6858000"/>
+            <a:off x="1524001" y="-12700"/>
+            <a:ext cx="9197975" cy="6873875"/>
           </a:xfrm>
           <a:prstGeom prst="rect">
             <a:avLst/>
@@ -3478,7 +3478,7 @@
                                           </p:stCondLst>
                                         </p:cTn>
                                         <p:tgtEl>
-                                          <p:spTgt spid="997379"/>
+                                          <p:spTgt spid="998403"/>
                                         </p:tgtEl>
                                         <p:attrNameLst>
                                           <p:attrName>style.visibility</p:attrName>
@@ -3492,7 +3492,7 @@
                                       <p:cBhvr>
                                         <p:cTn id="7" dur="500"/>
                                         <p:tgtEl>
-                                          <p:spTgt spid="997379"/>
+                                          <p:spTgt spid="998403"/>
                                         </p:tgtEl>
                                       </p:cBhvr>
                                     </p:animEffect>
